--- a/Later/JavaIO/JavaIO_98/Java serializable and externalizable_v4.pptx
+++ b/Later/JavaIO/JavaIO_98/Java serializable and externalizable_v4.pptx
@@ -192,7 +192,7 @@
           <a:p>
             <a:fld id="{62274EC6-3890-417B-9308-14EFBD00FA63}" type="datetimeFigureOut">
               <a:rPr lang="en-US" smtClean="0"/>
-              <a:t>9/6/2016</a:t>
+              <a:t>9/7/2016</a:t>
             </a:fld>
             <a:endParaRPr lang="en-US" dirty="0"/>
           </a:p>
@@ -731,7 +731,7 @@
             <a:fld id="{1D8BD707-D9CF-40AE-B4C6-C98DA3205C09}" type="datetimeFigureOut">
               <a:rPr lang="en-US" smtClean="0"/>
               <a:pPr/>
-              <a:t>9/6/2016</a:t>
+              <a:t>9/7/2016</a:t>
             </a:fld>
             <a:endParaRPr lang="en-US" dirty="0"/>
           </a:p>
@@ -903,7 +903,7 @@
             <a:fld id="{1D8BD707-D9CF-40AE-B4C6-C98DA3205C09}" type="datetimeFigureOut">
               <a:rPr lang="en-US" smtClean="0"/>
               <a:pPr/>
-              <a:t>9/6/2016</a:t>
+              <a:t>9/7/2016</a:t>
             </a:fld>
             <a:endParaRPr lang="en-US" dirty="0"/>
           </a:p>
@@ -1085,7 +1085,7 @@
             <a:fld id="{1D8BD707-D9CF-40AE-B4C6-C98DA3205C09}" type="datetimeFigureOut">
               <a:rPr lang="en-US" smtClean="0"/>
               <a:pPr/>
-              <a:t>9/6/2016</a:t>
+              <a:t>9/7/2016</a:t>
             </a:fld>
             <a:endParaRPr lang="en-US" dirty="0"/>
           </a:p>
@@ -1257,7 +1257,7 @@
             <a:fld id="{1D8BD707-D9CF-40AE-B4C6-C98DA3205C09}" type="datetimeFigureOut">
               <a:rPr lang="en-US" smtClean="0"/>
               <a:pPr/>
-              <a:t>9/6/2016</a:t>
+              <a:t>9/7/2016</a:t>
             </a:fld>
             <a:endParaRPr lang="en-US" dirty="0"/>
           </a:p>
@@ -1505,7 +1505,7 @@
             <a:fld id="{1D8BD707-D9CF-40AE-B4C6-C98DA3205C09}" type="datetimeFigureOut">
               <a:rPr lang="en-US" smtClean="0"/>
               <a:pPr/>
-              <a:t>9/6/2016</a:t>
+              <a:t>9/7/2016</a:t>
             </a:fld>
             <a:endParaRPr lang="en-US" dirty="0"/>
           </a:p>
@@ -1795,7 +1795,7 @@
             <a:fld id="{1D8BD707-D9CF-40AE-B4C6-C98DA3205C09}" type="datetimeFigureOut">
               <a:rPr lang="en-US" smtClean="0"/>
               <a:pPr/>
-              <a:t>9/6/2016</a:t>
+              <a:t>9/7/2016</a:t>
             </a:fld>
             <a:endParaRPr lang="en-US" dirty="0"/>
           </a:p>
@@ -2224,7 +2224,7 @@
             <a:fld id="{1D8BD707-D9CF-40AE-B4C6-C98DA3205C09}" type="datetimeFigureOut">
               <a:rPr lang="en-US" smtClean="0"/>
               <a:pPr/>
-              <a:t>9/6/2016</a:t>
+              <a:t>9/7/2016</a:t>
             </a:fld>
             <a:endParaRPr lang="en-US" dirty="0"/>
           </a:p>
@@ -2344,7 +2344,7 @@
             <a:fld id="{1D8BD707-D9CF-40AE-B4C6-C98DA3205C09}" type="datetimeFigureOut">
               <a:rPr lang="en-US" smtClean="0"/>
               <a:pPr/>
-              <a:t>9/6/2016</a:t>
+              <a:t>9/7/2016</a:t>
             </a:fld>
             <a:endParaRPr lang="en-US" dirty="0"/>
           </a:p>
@@ -2441,7 +2441,7 @@
             <a:fld id="{1D8BD707-D9CF-40AE-B4C6-C98DA3205C09}" type="datetimeFigureOut">
               <a:rPr lang="en-US" smtClean="0"/>
               <a:pPr/>
-              <a:t>9/6/2016</a:t>
+              <a:t>9/7/2016</a:t>
             </a:fld>
             <a:endParaRPr lang="en-US" dirty="0"/>
           </a:p>
@@ -2720,7 +2720,7 @@
             <a:fld id="{1D8BD707-D9CF-40AE-B4C6-C98DA3205C09}" type="datetimeFigureOut">
               <a:rPr lang="en-US" smtClean="0"/>
               <a:pPr/>
-              <a:t>9/6/2016</a:t>
+              <a:t>9/7/2016</a:t>
             </a:fld>
             <a:endParaRPr lang="en-US" dirty="0"/>
           </a:p>
@@ -2975,7 +2975,7 @@
             <a:fld id="{1D8BD707-D9CF-40AE-B4C6-C98DA3205C09}" type="datetimeFigureOut">
               <a:rPr lang="en-US" smtClean="0"/>
               <a:pPr/>
-              <a:t>9/6/2016</a:t>
+              <a:t>9/7/2016</a:t>
             </a:fld>
             <a:endParaRPr lang="en-US" dirty="0"/>
           </a:p>
@@ -3190,7 +3190,7 @@
             <a:fld id="{1D8BD707-D9CF-40AE-B4C6-C98DA3205C09}" type="datetimeFigureOut">
               <a:rPr lang="en-US" smtClean="0"/>
               <a:pPr/>
-              <a:t>9/6/2016</a:t>
+              <a:t>9/7/2016</a:t>
             </a:fld>
             <a:endParaRPr lang="en-US" dirty="0"/>
           </a:p>
@@ -3690,8 +3690,9 @@
             </a:r>
             <a:r>
               <a:rPr lang="en-US" sz="1200" dirty="0"/>
-              <a:t>Deserialization</a:t>
-            </a:r>
+              <a:t>Externalization</a:t>
+            </a:r>
+            <a:endParaRPr lang="en-US" sz="1200" dirty="0"/>
           </a:p>
         </p:txBody>
       </p:sp>
@@ -4564,7 +4565,6 @@
               <a:rPr lang="en-US" sz="1200" dirty="0"/>
               <a:t>Externalizable interface should be preferred over Serializable in most of cases. </a:t>
             </a:r>
-            <a:endParaRPr lang="en-US" sz="1200" dirty="0"/>
           </a:p>
         </p:txBody>
       </p:sp>
